--- a/Denoising Image PPT.pptx
+++ b/Denoising Image PPT.pptx
@@ -635,7 +635,7 @@
           <a:p>
             <a:fld id="{1D8BD707-D9CF-40AE-B4C6-C98DA3205C09}" type="datetimeFigureOut">
               <a:rPr lang="en-US"/>
-              <a:t>4/4/2024</a:t>
+              <a:t>4/5/2024</a:t>
             </a:fld>
             <a:endParaRPr lang="en-US"/>
           </a:p>
@@ -815,7 +815,7 @@
           <a:p>
             <a:fld id="{1D8BD707-D9CF-40AE-B4C6-C98DA3205C09}" type="datetimeFigureOut">
               <a:rPr lang="en-US"/>
-              <a:t>4/4/2024</a:t>
+              <a:t>4/5/2024</a:t>
             </a:fld>
             <a:endParaRPr lang="en-US"/>
           </a:p>
@@ -1038,7 +1038,7 @@
           <a:p>
             <a:fld id="{1D8BD707-D9CF-40AE-B4C6-C98DA3205C09}" type="datetimeFigureOut">
               <a:rPr lang="en-US"/>
-              <a:t>4/4/2024</a:t>
+              <a:t>4/5/2024</a:t>
             </a:fld>
             <a:endParaRPr lang="en-US"/>
           </a:p>
@@ -1195,7 +1195,7 @@
           <a:p>
             <a:fld id="{1D8BD707-D9CF-40AE-B4C6-C98DA3205C09}" type="datetimeFigureOut">
               <a:rPr lang="en-US"/>
-              <a:t>4/4/2024</a:t>
+              <a:t>4/5/2024</a:t>
             </a:fld>
             <a:endParaRPr lang="en-US"/>
           </a:p>
@@ -1323,7 +1323,7 @@
           <a:p>
             <a:fld id="{1D8BD707-D9CF-40AE-B4C6-C98DA3205C09}" type="datetimeFigureOut">
               <a:rPr lang="en-US"/>
-              <a:t>4/4/2024</a:t>
+              <a:t>4/5/2024</a:t>
             </a:fld>
             <a:endParaRPr lang="en-US"/>
           </a:p>
@@ -2042,7 +2042,7 @@
           <a:p>
             <a:fld id="{1D8BD707-D9CF-40AE-B4C6-C98DA3205C09}" type="datetimeFigureOut">
               <a:rPr lang="en-US"/>
-              <a:t>4/4/2024</a:t>
+              <a:t>4/5/2024</a:t>
             </a:fld>
             <a:endParaRPr lang="en-US"/>
           </a:p>
